--- a/4_Report/capstone-story.pptx
+++ b/4_Report/capstone-story.pptx
@@ -542,7 +542,7 @@
           <a:p>
             <a:fld id="{9E497948-54D2-43F8-9A63-A99FE3051738}" type="datetimeFigureOut">
               <a:rPr lang="en-US" smtClean="0"/>
-              <a:t>8/14/2025</a:t>
+              <a:t>8/15/2025</a:t>
             </a:fld>
             <a:endParaRPr lang="en-US"/>
           </a:p>
@@ -5495,7 +5495,7 @@
         </p:nvSpPr>
         <p:spPr>
           <a:xfrm>
-            <a:off x="4285075" y="3142210"/>
+            <a:off x="4209661" y="2386941"/>
             <a:ext cx="7068725" cy="2569239"/>
           </a:xfrm>
           <a:prstGeom prst="rect">
@@ -5672,14 +5672,151 @@
           </a:lstStyle>
           <a:p>
             <a:pPr marL="0" indent="0">
-              <a:buFont typeface="Arial"/>
               <a:buNone/>
             </a:pPr>
             <a:r>
-              <a:rPr lang="en-US" sz="2200"/>
-              <a:t>&lt;The GitHub link of the Cognos/Looker Studio dashboard goes here.&gt;</a:t>
-            </a:r>
-            <a:endParaRPr lang="en-US" sz="2200" dirty="0"/>
+              <a:rPr lang="en-IN" sz="2400" dirty="0" err="1">
+                <a:solidFill>
+                  <a:srgbClr val="C1C7CD"/>
+                </a:solidFill>
+                <a:latin typeface="Calibri" panose="020F0502020204030204" pitchFamily="34" charset="0"/>
+                <a:cs typeface="Calibri" panose="020F0502020204030204" pitchFamily="34" charset="0"/>
+                <a:hlinkClick r:id="rId3">
+                  <a:extLst>
+                    <a:ext uri="{A12FA001-AC4F-418D-AE19-62706E023703}">
+                      <ahyp:hlinkClr xmlns:ahyp="http://schemas.microsoft.com/office/drawing/2018/hyperlinkcolor" val="tx"/>
+                    </a:ext>
+                  </a:extLst>
+                </a:hlinkClick>
+              </a:rPr>
+              <a:t>StackOverFlow</a:t>
+            </a:r>
+            <a:r>
+              <a:rPr lang="en-IN" sz="2400" dirty="0">
+                <a:solidFill>
+                  <a:srgbClr val="C1C7CD"/>
+                </a:solidFill>
+                <a:latin typeface="Calibri" panose="020F0502020204030204" pitchFamily="34" charset="0"/>
+                <a:cs typeface="Calibri" panose="020F0502020204030204" pitchFamily="34" charset="0"/>
+                <a:hlinkClick r:id="rId3">
+                  <a:extLst>
+                    <a:ext uri="{A12FA001-AC4F-418D-AE19-62706E023703}">
+                      <ahyp:hlinkClr xmlns:ahyp="http://schemas.microsoft.com/office/drawing/2018/hyperlinkcolor" val="tx"/>
+                    </a:ext>
+                  </a:extLst>
+                </a:hlinkClick>
+              </a:rPr>
+              <a:t>-survey-</a:t>
+            </a:r>
+            <a:r>
+              <a:rPr lang="en-IN" sz="2400" dirty="0" err="1">
+                <a:solidFill>
+                  <a:srgbClr val="C1C7CD"/>
+                </a:solidFill>
+                <a:latin typeface="Calibri" panose="020F0502020204030204" pitchFamily="34" charset="0"/>
+                <a:cs typeface="Calibri" panose="020F0502020204030204" pitchFamily="34" charset="0"/>
+                <a:hlinkClick r:id="rId3">
+                  <a:extLst>
+                    <a:ext uri="{A12FA001-AC4F-418D-AE19-62706E023703}">
+                      <ahyp:hlinkClr xmlns:ahyp="http://schemas.microsoft.com/office/drawing/2018/hyperlinkcolor" val="tx"/>
+                    </a:ext>
+                  </a:extLst>
+                </a:hlinkClick>
+              </a:rPr>
+              <a:t>capston</a:t>
+            </a:r>
+            <a:r>
+              <a:rPr lang="en-IN" sz="2400" dirty="0">
+                <a:solidFill>
+                  <a:srgbClr val="C1C7CD"/>
+                </a:solidFill>
+                <a:latin typeface="Calibri" panose="020F0502020204030204" pitchFamily="34" charset="0"/>
+                <a:cs typeface="Calibri" panose="020F0502020204030204" pitchFamily="34" charset="0"/>
+                <a:hlinkClick r:id="rId3">
+                  <a:extLst>
+                    <a:ext uri="{A12FA001-AC4F-418D-AE19-62706E023703}">
+                      <ahyp:hlinkClr xmlns:ahyp="http://schemas.microsoft.com/office/drawing/2018/hyperlinkcolor" val="tx"/>
+                    </a:ext>
+                  </a:extLst>
+                </a:hlinkClick>
+              </a:rPr>
+              <a:t>-project/3_Dashboard/cognos_dashboard_survey.pdf at main · Ifsaurabh/</a:t>
+            </a:r>
+            <a:r>
+              <a:rPr lang="en-IN" sz="2400" dirty="0" err="1">
+                <a:solidFill>
+                  <a:srgbClr val="C1C7CD"/>
+                </a:solidFill>
+                <a:latin typeface="Calibri" panose="020F0502020204030204" pitchFamily="34" charset="0"/>
+                <a:cs typeface="Calibri" panose="020F0502020204030204" pitchFamily="34" charset="0"/>
+                <a:hlinkClick r:id="rId3">
+                  <a:extLst>
+                    <a:ext uri="{A12FA001-AC4F-418D-AE19-62706E023703}">
+                      <ahyp:hlinkClr xmlns:ahyp="http://schemas.microsoft.com/office/drawing/2018/hyperlinkcolor" val="tx"/>
+                    </a:ext>
+                  </a:extLst>
+                </a:hlinkClick>
+              </a:rPr>
+              <a:t>StackOverFlow</a:t>
+            </a:r>
+            <a:r>
+              <a:rPr lang="en-IN" sz="2400" dirty="0">
+                <a:solidFill>
+                  <a:srgbClr val="C1C7CD"/>
+                </a:solidFill>
+                <a:latin typeface="Calibri" panose="020F0502020204030204" pitchFamily="34" charset="0"/>
+                <a:cs typeface="Calibri" panose="020F0502020204030204" pitchFamily="34" charset="0"/>
+                <a:hlinkClick r:id="rId3">
+                  <a:extLst>
+                    <a:ext uri="{A12FA001-AC4F-418D-AE19-62706E023703}">
+                      <ahyp:hlinkClr xmlns:ahyp="http://schemas.microsoft.com/office/drawing/2018/hyperlinkcolor" val="tx"/>
+                    </a:ext>
+                  </a:extLst>
+                </a:hlinkClick>
+              </a:rPr>
+              <a:t>-survey-</a:t>
+            </a:r>
+            <a:r>
+              <a:rPr lang="en-IN" sz="2400" dirty="0" err="1">
+                <a:solidFill>
+                  <a:srgbClr val="C1C7CD"/>
+                </a:solidFill>
+                <a:latin typeface="Calibri" panose="020F0502020204030204" pitchFamily="34" charset="0"/>
+                <a:cs typeface="Calibri" panose="020F0502020204030204" pitchFamily="34" charset="0"/>
+                <a:hlinkClick r:id="rId3">
+                  <a:extLst>
+                    <a:ext uri="{A12FA001-AC4F-418D-AE19-62706E023703}">
+                      <ahyp:hlinkClr xmlns:ahyp="http://schemas.microsoft.com/office/drawing/2018/hyperlinkcolor" val="tx"/>
+                    </a:ext>
+                  </a:extLst>
+                </a:hlinkClick>
+              </a:rPr>
+              <a:t>capston</a:t>
+            </a:r>
+            <a:r>
+              <a:rPr lang="en-IN" sz="2400" dirty="0">
+                <a:solidFill>
+                  <a:schemeClr val="bg1"/>
+                </a:solidFill>
+                <a:latin typeface="Calibri" panose="020F0502020204030204" pitchFamily="34" charset="0"/>
+                <a:cs typeface="Calibri" panose="020F0502020204030204" pitchFamily="34" charset="0"/>
+                <a:hlinkClick r:id="rId3">
+                  <a:extLst>
+                    <a:ext uri="{A12FA001-AC4F-418D-AE19-62706E023703}">
+                      <ahyp:hlinkClr xmlns:ahyp="http://schemas.microsoft.com/office/drawing/2018/hyperlinkcolor" val="tx"/>
+                    </a:ext>
+                  </a:extLst>
+                </a:hlinkClick>
+              </a:rPr>
+              <a:t>-project</a:t>
+            </a:r>
+            <a:endParaRPr lang="en-US" sz="2200" dirty="0">
+              <a:solidFill>
+                <a:schemeClr val="bg1"/>
+              </a:solidFill>
+              <a:latin typeface="Calibri" panose="020F0502020204030204" pitchFamily="34" charset="0"/>
+              <a:cs typeface="Calibri" panose="020F0502020204030204" pitchFamily="34" charset="0"/>
+            </a:endParaRPr>
           </a:p>
         </p:txBody>
       </p:sp>
@@ -5698,7 +5835,7 @@
           <p:nvPr/>
         </p:nvPicPr>
         <p:blipFill>
-          <a:blip r:embed="rId3"/>
+          <a:blip r:embed="rId4"/>
           <a:stretch>
             <a:fillRect/>
           </a:stretch>
@@ -13118,15 +13255,6 @@
 </file>
 
 <file path=customXml/item1.xml><?xml version="1.0" encoding="utf-8"?>
-<?mso-contentType ?>
-<FormTemplates xmlns="http://schemas.microsoft.com/sharepoint/v3/contenttype/forms">
-  <Display>DocumentLibraryForm</Display>
-  <Edit>DocumentLibraryForm</Edit>
-  <New>DocumentLibraryForm</New>
-</FormTemplates>
-</file>
-
-<file path=customXml/item2.xml><?xml version="1.0" encoding="utf-8"?>
 <ct:contentTypeSchema xmlns:ct="http://schemas.microsoft.com/office/2006/metadata/contentType" xmlns:ma="http://schemas.microsoft.com/office/2006/metadata/properties/metaAttributes" ct:_="" ma:_="" ma:contentTypeName="Document" ma:contentTypeID="0x010100EECD86F56755A646AC8AFCBCBD967F21" ma:contentTypeVersion="19" ma:contentTypeDescription="Create a new document." ma:contentTypeScope="" ma:versionID="d7279d4efbac013e02c1e816bc7f7c13">
   <xsd:schema xmlns:xsd="http://www.w3.org/2001/XMLSchema" xmlns:xs="http://www.w3.org/2001/XMLSchema" xmlns:p="http://schemas.microsoft.com/office/2006/metadata/properties" xmlns:ns2="155be751-a274-42e8-93fb-f39d3b9bccc8" xmlns:ns3="f80a141d-92ca-4d3d-9308-f7e7b1d44ce8" targetNamespace="http://schemas.microsoft.com/office/2006/metadata/properties" ma:root="true" ma:fieldsID="0a3fd1dbe83fc08387abb87098562ef0" ns2:_="" ns3:_="">
     <xsd:import namespace="155be751-a274-42e8-93fb-f39d3b9bccc8"/>
@@ -13383,6 +13511,15 @@
 </ct:contentTypeSchema>
 </file>
 
+<file path=customXml/item2.xml><?xml version="1.0" encoding="utf-8"?>
+<?mso-contentType ?>
+<FormTemplates xmlns="http://schemas.microsoft.com/sharepoint/v3/contenttype/forms">
+  <Display>DocumentLibraryForm</Display>
+  <Edit>DocumentLibraryForm</Edit>
+  <New>DocumentLibraryForm</New>
+</FormTemplates>
+</file>
+
 <file path=customXml/item3.xml><?xml version="1.0" encoding="utf-8"?>
 <p:properties xmlns:p="http://schemas.microsoft.com/office/2006/metadata/properties" xmlns:xsi="http://www.w3.org/2001/XMLSchema-instance" xmlns:pc="http://schemas.microsoft.com/office/infopath/2007/PartnerControls">
   <documentManagement>
@@ -13396,14 +13533,6 @@
 </file>
 
 <file path=customXml/itemProps1.xml><?xml version="1.0" encoding="utf-8"?>
-<ds:datastoreItem xmlns:ds="http://schemas.openxmlformats.org/officeDocument/2006/customXml" ds:itemID="{7EFDA260-DDA0-422C-B7AE-778F653FBB36}">
-  <ds:schemaRefs>
-    <ds:schemaRef ds:uri="http://schemas.microsoft.com/sharepoint/v3/contenttype/forms"/>
-  </ds:schemaRefs>
-</ds:datastoreItem>
-</file>
-
-<file path=customXml/itemProps2.xml><?xml version="1.0" encoding="utf-8"?>
 <ds:datastoreItem xmlns:ds="http://schemas.openxmlformats.org/officeDocument/2006/customXml" ds:itemID="{BEAB06F8-DBB4-44C7-AF84-8B098C8B039F}">
   <ds:schemaRefs>
     <ds:schemaRef ds:uri="http://schemas.microsoft.com/office/2006/metadata/contentType"/>
@@ -13418,6 +13547,14 @@
     <ds:schemaRef ds:uri="http://purl.org/dc/elements/1.1/"/>
     <ds:schemaRef ds:uri="http://purl.org/dc/terms/"/>
     <ds:schemaRef ds:uri="http://schemas.microsoft.com/internal/obd"/>
+  </ds:schemaRefs>
+</ds:datastoreItem>
+</file>
+
+<file path=customXml/itemProps2.xml><?xml version="1.0" encoding="utf-8"?>
+<ds:datastoreItem xmlns:ds="http://schemas.openxmlformats.org/officeDocument/2006/customXml" ds:itemID="{7EFDA260-DDA0-422C-B7AE-778F653FBB36}">
+  <ds:schemaRefs>
+    <ds:schemaRef ds:uri="http://schemas.microsoft.com/sharepoint/v3/contenttype/forms"/>
   </ds:schemaRefs>
 </ds:datastoreItem>
 </file>

--- a/4_Report/capstone-story.pptx
+++ b/4_Report/capstone-story.pptx
@@ -5835,7 +5835,15 @@
           <p:nvPr/>
         </p:nvPicPr>
         <p:blipFill>
-          <a:blip r:embed="rId4"/>
+          <a:blip r:embed="rId4">
+            <a:duotone>
+              <a:prstClr val="black"/>
+              <a:schemeClr val="accent5">
+                <a:tint val="45000"/>
+                <a:satMod val="400000"/>
+              </a:schemeClr>
+            </a:duotone>
+          </a:blip>
           <a:stretch>
             <a:fillRect/>
           </a:stretch>
@@ -6386,7 +6394,15 @@
           </p:nvPr>
         </p:nvPicPr>
         <p:blipFill>
-          <a:blip r:embed="rId3"/>
+          <a:blip r:embed="rId3">
+            <a:duotone>
+              <a:prstClr val="black"/>
+              <a:schemeClr val="accent5">
+                <a:tint val="45000"/>
+                <a:satMod val="400000"/>
+              </a:schemeClr>
+            </a:duotone>
+          </a:blip>
           <a:stretch>
             <a:fillRect/>
           </a:stretch>
@@ -7098,7 +7114,15 @@
           </p:nvPr>
         </p:nvPicPr>
         <p:blipFill>
-          <a:blip r:embed="rId3"/>
+          <a:blip r:embed="rId3">
+            <a:duotone>
+              <a:prstClr val="black"/>
+              <a:schemeClr val="accent5">
+                <a:tint val="45000"/>
+                <a:satMod val="400000"/>
+              </a:schemeClr>
+            </a:duotone>
+          </a:blip>
           <a:stretch>
             <a:fillRect/>
           </a:stretch>
@@ -7709,7 +7733,15 @@
           </p:nvPr>
         </p:nvPicPr>
         <p:blipFill>
-          <a:blip r:embed="rId3"/>
+          <a:blip r:embed="rId3">
+            <a:duotone>
+              <a:prstClr val="black"/>
+              <a:schemeClr val="accent5">
+                <a:tint val="45000"/>
+                <a:satMod val="400000"/>
+              </a:schemeClr>
+            </a:duotone>
+          </a:blip>
           <a:stretch>
             <a:fillRect/>
           </a:stretch>
@@ -8089,7 +8121,15 @@
           <p:nvPr/>
         </p:nvPicPr>
         <p:blipFill>
-          <a:blip r:embed="rId3"/>
+          <a:blip r:embed="rId3">
+            <a:duotone>
+              <a:prstClr val="black"/>
+              <a:schemeClr val="accent5">
+                <a:tint val="45000"/>
+                <a:satMod val="400000"/>
+              </a:schemeClr>
+            </a:duotone>
+          </a:blip>
           <a:stretch>
             <a:fillRect/>
           </a:stretch>
@@ -9564,7 +9604,15 @@
           <p:nvPr/>
         </p:nvPicPr>
         <p:blipFill>
-          <a:blip r:embed="rId3"/>
+          <a:blip r:embed="rId3">
+            <a:duotone>
+              <a:prstClr val="black"/>
+              <a:schemeClr val="accent5">
+                <a:tint val="45000"/>
+                <a:satMod val="400000"/>
+              </a:schemeClr>
+            </a:duotone>
+          </a:blip>
           <a:stretch>
             <a:fillRect/>
           </a:stretch>
@@ -9687,7 +9735,15 @@
           <p:nvPr/>
         </p:nvPicPr>
         <p:blipFill>
-          <a:blip r:embed="rId3"/>
+          <a:blip r:embed="rId3">
+            <a:duotone>
+              <a:prstClr val="black"/>
+              <a:schemeClr val="accent5">
+                <a:tint val="45000"/>
+                <a:satMod val="400000"/>
+              </a:schemeClr>
+            </a:duotone>
+          </a:blip>
           <a:stretch>
             <a:fillRect/>
           </a:stretch>
@@ -10491,7 +10547,15 @@
           <p:nvPr/>
         </p:nvPicPr>
         <p:blipFill>
-          <a:blip r:embed="rId3"/>
+          <a:blip r:embed="rId3">
+            <a:duotone>
+              <a:prstClr val="black"/>
+              <a:schemeClr val="accent5">
+                <a:tint val="45000"/>
+                <a:satMod val="400000"/>
+              </a:schemeClr>
+            </a:duotone>
+          </a:blip>
           <a:stretch>
             <a:fillRect/>
           </a:stretch>
@@ -11126,6 +11190,13 @@
         </p:nvPicPr>
         <p:blipFill>
           <a:blip r:embed="rId3">
+            <a:duotone>
+              <a:prstClr val="black"/>
+              <a:schemeClr val="accent5">
+                <a:tint val="45000"/>
+                <a:satMod val="400000"/>
+              </a:schemeClr>
+            </a:duotone>
             <a:extLst>
               <a:ext uri="{96DAC541-7B7A-43D3-8B79-37D633B846F1}">
                 <asvg:svgBlip xmlns:asvg="http://schemas.microsoft.com/office/drawing/2016/SVG/main" r:embed="rId4"/>
@@ -13255,6 +13326,15 @@
 </file>
 
 <file path=customXml/item1.xml><?xml version="1.0" encoding="utf-8"?>
+<?mso-contentType ?>
+<FormTemplates xmlns="http://schemas.microsoft.com/sharepoint/v3/contenttype/forms">
+  <Display>DocumentLibraryForm</Display>
+  <Edit>DocumentLibraryForm</Edit>
+  <New>DocumentLibraryForm</New>
+</FormTemplates>
+</file>
+
+<file path=customXml/item2.xml><?xml version="1.0" encoding="utf-8"?>
 <ct:contentTypeSchema xmlns:ct="http://schemas.microsoft.com/office/2006/metadata/contentType" xmlns:ma="http://schemas.microsoft.com/office/2006/metadata/properties/metaAttributes" ct:_="" ma:_="" ma:contentTypeName="Document" ma:contentTypeID="0x010100EECD86F56755A646AC8AFCBCBD967F21" ma:contentTypeVersion="19" ma:contentTypeDescription="Create a new document." ma:contentTypeScope="" ma:versionID="d7279d4efbac013e02c1e816bc7f7c13">
   <xsd:schema xmlns:xsd="http://www.w3.org/2001/XMLSchema" xmlns:xs="http://www.w3.org/2001/XMLSchema" xmlns:p="http://schemas.microsoft.com/office/2006/metadata/properties" xmlns:ns2="155be751-a274-42e8-93fb-f39d3b9bccc8" xmlns:ns3="f80a141d-92ca-4d3d-9308-f7e7b1d44ce8" targetNamespace="http://schemas.microsoft.com/office/2006/metadata/properties" ma:root="true" ma:fieldsID="0a3fd1dbe83fc08387abb87098562ef0" ns2:_="" ns3:_="">
     <xsd:import namespace="155be751-a274-42e8-93fb-f39d3b9bccc8"/>
@@ -13511,15 +13591,6 @@
 </ct:contentTypeSchema>
 </file>
 
-<file path=customXml/item2.xml><?xml version="1.0" encoding="utf-8"?>
-<?mso-contentType ?>
-<FormTemplates xmlns="http://schemas.microsoft.com/sharepoint/v3/contenttype/forms">
-  <Display>DocumentLibraryForm</Display>
-  <Edit>DocumentLibraryForm</Edit>
-  <New>DocumentLibraryForm</New>
-</FormTemplates>
-</file>
-
 <file path=customXml/item3.xml><?xml version="1.0" encoding="utf-8"?>
 <p:properties xmlns:p="http://schemas.microsoft.com/office/2006/metadata/properties" xmlns:xsi="http://www.w3.org/2001/XMLSchema-instance" xmlns:pc="http://schemas.microsoft.com/office/infopath/2007/PartnerControls">
   <documentManagement>
@@ -13533,6 +13604,14 @@
 </file>
 
 <file path=customXml/itemProps1.xml><?xml version="1.0" encoding="utf-8"?>
+<ds:datastoreItem xmlns:ds="http://schemas.openxmlformats.org/officeDocument/2006/customXml" ds:itemID="{7EFDA260-DDA0-422C-B7AE-778F653FBB36}">
+  <ds:schemaRefs>
+    <ds:schemaRef ds:uri="http://schemas.microsoft.com/sharepoint/v3/contenttype/forms"/>
+  </ds:schemaRefs>
+</ds:datastoreItem>
+</file>
+
+<file path=customXml/itemProps2.xml><?xml version="1.0" encoding="utf-8"?>
 <ds:datastoreItem xmlns:ds="http://schemas.openxmlformats.org/officeDocument/2006/customXml" ds:itemID="{BEAB06F8-DBB4-44C7-AF84-8B098C8B039F}">
   <ds:schemaRefs>
     <ds:schemaRef ds:uri="http://schemas.microsoft.com/office/2006/metadata/contentType"/>
@@ -13547,14 +13626,6 @@
     <ds:schemaRef ds:uri="http://purl.org/dc/elements/1.1/"/>
     <ds:schemaRef ds:uri="http://purl.org/dc/terms/"/>
     <ds:schemaRef ds:uri="http://schemas.microsoft.com/internal/obd"/>
-  </ds:schemaRefs>
-</ds:datastoreItem>
-</file>
-
-<file path=customXml/itemProps2.xml><?xml version="1.0" encoding="utf-8"?>
-<ds:datastoreItem xmlns:ds="http://schemas.openxmlformats.org/officeDocument/2006/customXml" ds:itemID="{7EFDA260-DDA0-422C-B7AE-778F653FBB36}">
-  <ds:schemaRefs>
-    <ds:schemaRef ds:uri="http://schemas.microsoft.com/sharepoint/v3/contenttype/forms"/>
   </ds:schemaRefs>
 </ds:datastoreItem>
 </file>
